--- a/Điều chỉnh da mặt.pptx
+++ b/Điều chỉnh da mặt.pptx
@@ -3962,31 +3962,135 @@
           <a:bodyPr/>
           <a:lstStyle/>
           <a:p>
+            <a:r>
+              <a:rPr lang="en-US"/>
+              <a:t>* Màu da:</a:t>
+            </a:r>
+          </a:p>
+        </p:txBody>
+      </p:sp>
+      <p:pic>
+        <p:nvPicPr>
+          <p:cNvPr id="4" name="Content Placeholder 3">
+            <a:extLst>
+              <a:ext uri="{FF2B5EF4-FFF2-40B4-BE49-F238E27FC236}">
+                <a16:creationId xmlns:a16="http://schemas.microsoft.com/office/drawing/2014/main" id="{BF75DB7C-E7C1-4835-B84B-4D6F43870125}"/>
+              </a:ext>
+            </a:extLst>
+          </p:cNvPr>
+          <p:cNvPicPr>
+            <a:picLocks noGrp="1" noChangeAspect="1"/>
+          </p:cNvPicPr>
+          <p:nvPr>
+            <p:ph idx="1"/>
+          </p:nvPr>
+        </p:nvPicPr>
+        <p:blipFill>
+          <a:blip r:embed="rId2"/>
+          <a:stretch>
+            <a:fillRect/>
+          </a:stretch>
+        </p:blipFill>
+        <p:spPr>
+          <a:xfrm>
+            <a:off x="2213740" y="1772359"/>
+            <a:ext cx="3272420" cy="4351338"/>
+          </a:xfrm>
+          <a:prstGeom prst="rect">
+            <a:avLst/>
+          </a:prstGeom>
+        </p:spPr>
+      </p:pic>
+      <p:sp>
+        <p:nvSpPr>
+          <p:cNvPr id="5" name="Rectangle 4">
+            <a:extLst>
+              <a:ext uri="{FF2B5EF4-FFF2-40B4-BE49-F238E27FC236}">
+                <a16:creationId xmlns:a16="http://schemas.microsoft.com/office/drawing/2014/main" id="{E8854E7C-CA61-4E99-948C-973A5B60074E}"/>
+              </a:ext>
+            </a:extLst>
+          </p:cNvPr>
+          <p:cNvSpPr/>
+          <p:nvPr/>
+        </p:nvSpPr>
+        <p:spPr>
+          <a:xfrm>
+            <a:off x="2698812" y="1772358"/>
+            <a:ext cx="452761" cy="242873"/>
+          </a:xfrm>
+          <a:prstGeom prst="rect">
+            <a:avLst/>
+          </a:prstGeom>
+          <a:noFill/>
+        </p:spPr>
+        <p:style>
+          <a:lnRef idx="2">
+            <a:schemeClr val="accent2">
+              <a:shade val="50000"/>
+            </a:schemeClr>
+          </a:lnRef>
+          <a:fillRef idx="1">
+            <a:schemeClr val="accent2"/>
+          </a:fillRef>
+          <a:effectRef idx="0">
+            <a:schemeClr val="accent2"/>
+          </a:effectRef>
+          <a:fontRef idx="minor">
+            <a:schemeClr val="lt1"/>
+          </a:fontRef>
+        </p:style>
+        <p:txBody>
+          <a:bodyPr rtlCol="0" anchor="ctr"/>
+          <a:lstStyle/>
+          <a:p>
+            <a:pPr algn="ctr"/>
             <a:endParaRPr lang="en-US"/>
           </a:p>
         </p:txBody>
       </p:sp>
       <p:sp>
         <p:nvSpPr>
-          <p:cNvPr id="3" name="Content Placeholder 2">
-            <a:extLst>
-              <a:ext uri="{FF2B5EF4-FFF2-40B4-BE49-F238E27FC236}">
-                <a16:creationId xmlns:a16="http://schemas.microsoft.com/office/drawing/2014/main" id="{C09AAEE0-80B4-4DA9-8674-BA0E8A468073}"/>
-              </a:ext>
-            </a:extLst>
-          </p:cNvPr>
-          <p:cNvSpPr>
-            <a:spLocks noGrp="1"/>
-          </p:cNvSpPr>
-          <p:nvPr>
-            <p:ph idx="1"/>
-          </p:nvPr>
-        </p:nvSpPr>
-        <p:spPr/>
-        <p:txBody>
-          <a:bodyPr/>
-          <a:lstStyle/>
-          <a:p>
+          <p:cNvPr id="6" name="Rectangle 5">
+            <a:extLst>
+              <a:ext uri="{FF2B5EF4-FFF2-40B4-BE49-F238E27FC236}">
+                <a16:creationId xmlns:a16="http://schemas.microsoft.com/office/drawing/2014/main" id="{AA5526FF-D4B5-46F7-B200-4AEC88D153DC}"/>
+              </a:ext>
+            </a:extLst>
+          </p:cNvPr>
+          <p:cNvSpPr/>
+          <p:nvPr/>
+        </p:nvSpPr>
+        <p:spPr>
+          <a:xfrm>
+            <a:off x="2689934" y="2663301"/>
+            <a:ext cx="2263806" cy="390617"/>
+          </a:xfrm>
+          <a:prstGeom prst="rect">
+            <a:avLst/>
+          </a:prstGeom>
+          <a:noFill/>
+        </p:spPr>
+        <p:style>
+          <a:lnRef idx="2">
+            <a:schemeClr val="accent2">
+              <a:shade val="50000"/>
+            </a:schemeClr>
+          </a:lnRef>
+          <a:fillRef idx="1">
+            <a:schemeClr val="accent2"/>
+          </a:fillRef>
+          <a:effectRef idx="0">
+            <a:schemeClr val="accent2"/>
+          </a:effectRef>
+          <a:fontRef idx="minor">
+            <a:schemeClr val="lt1"/>
+          </a:fontRef>
+        </p:style>
+        <p:txBody>
+          <a:bodyPr rtlCol="0" anchor="ctr"/>
+          <a:lstStyle/>
+          <a:p>
+            <a:pPr algn="ctr"/>
             <a:endParaRPr lang="en-US"/>
           </a:p>
         </p:txBody>

--- a/Điều chỉnh da mặt.pptx
+++ b/Điều chỉnh da mặt.pptx
@@ -19,7 +19,14 @@
     <p:sldId id="268" r:id="rId13"/>
     <p:sldId id="269" r:id="rId14"/>
     <p:sldId id="260" r:id="rId15"/>
-    <p:sldId id="261" r:id="rId16"/>
+    <p:sldId id="271" r:id="rId16"/>
+    <p:sldId id="272" r:id="rId17"/>
+    <p:sldId id="273" r:id="rId18"/>
+    <p:sldId id="274" r:id="rId19"/>
+    <p:sldId id="275" r:id="rId20"/>
+    <p:sldId id="276" r:id="rId21"/>
+    <p:sldId id="277" r:id="rId22"/>
+    <p:sldId id="261" r:id="rId23"/>
   </p:sldIdLst>
   <p:sldSz cx="12192000" cy="6858000"/>
   <p:notesSz cx="6858000" cy="9144000"/>
@@ -273,7 +280,7 @@
           <a:p>
             <a:fld id="{541E94B5-1AAF-4037-863E-E1C837D881D1}" type="datetimeFigureOut">
               <a:rPr lang="en-US" smtClean="0"/>
-              <a:t>28/08/2024</a:t>
+              <a:t>29/08/2024</a:t>
             </a:fld>
             <a:endParaRPr lang="en-US"/>
           </a:p>
@@ -471,7 +478,7 @@
           <a:p>
             <a:fld id="{541E94B5-1AAF-4037-863E-E1C837D881D1}" type="datetimeFigureOut">
               <a:rPr lang="en-US" smtClean="0"/>
-              <a:t>28/08/2024</a:t>
+              <a:t>29/08/2024</a:t>
             </a:fld>
             <a:endParaRPr lang="en-US"/>
           </a:p>
@@ -679,7 +686,7 @@
           <a:p>
             <a:fld id="{541E94B5-1AAF-4037-863E-E1C837D881D1}" type="datetimeFigureOut">
               <a:rPr lang="en-US" smtClean="0"/>
-              <a:t>28/08/2024</a:t>
+              <a:t>29/08/2024</a:t>
             </a:fld>
             <a:endParaRPr lang="en-US"/>
           </a:p>
@@ -877,7 +884,7 @@
           <a:p>
             <a:fld id="{541E94B5-1AAF-4037-863E-E1C837D881D1}" type="datetimeFigureOut">
               <a:rPr lang="en-US" smtClean="0"/>
-              <a:t>28/08/2024</a:t>
+              <a:t>29/08/2024</a:t>
             </a:fld>
             <a:endParaRPr lang="en-US"/>
           </a:p>
@@ -1152,7 +1159,7 @@
           <a:p>
             <a:fld id="{541E94B5-1AAF-4037-863E-E1C837D881D1}" type="datetimeFigureOut">
               <a:rPr lang="en-US" smtClean="0"/>
-              <a:t>28/08/2024</a:t>
+              <a:t>29/08/2024</a:t>
             </a:fld>
             <a:endParaRPr lang="en-US"/>
           </a:p>
@@ -1417,7 +1424,7 @@
           <a:p>
             <a:fld id="{541E94B5-1AAF-4037-863E-E1C837D881D1}" type="datetimeFigureOut">
               <a:rPr lang="en-US" smtClean="0"/>
-              <a:t>28/08/2024</a:t>
+              <a:t>29/08/2024</a:t>
             </a:fld>
             <a:endParaRPr lang="en-US"/>
           </a:p>
@@ -1829,7 +1836,7 @@
           <a:p>
             <a:fld id="{541E94B5-1AAF-4037-863E-E1C837D881D1}" type="datetimeFigureOut">
               <a:rPr lang="en-US" smtClean="0"/>
-              <a:t>28/08/2024</a:t>
+              <a:t>29/08/2024</a:t>
             </a:fld>
             <a:endParaRPr lang="en-US"/>
           </a:p>
@@ -1970,7 +1977,7 @@
           <a:p>
             <a:fld id="{541E94B5-1AAF-4037-863E-E1C837D881D1}" type="datetimeFigureOut">
               <a:rPr lang="en-US" smtClean="0"/>
-              <a:t>28/08/2024</a:t>
+              <a:t>29/08/2024</a:t>
             </a:fld>
             <a:endParaRPr lang="en-US"/>
           </a:p>
@@ -2083,7 +2090,7 @@
           <a:p>
             <a:fld id="{541E94B5-1AAF-4037-863E-E1C837D881D1}" type="datetimeFigureOut">
               <a:rPr lang="en-US" smtClean="0"/>
-              <a:t>28/08/2024</a:t>
+              <a:t>29/08/2024</a:t>
             </a:fld>
             <a:endParaRPr lang="en-US"/>
           </a:p>
@@ -2394,7 +2401,7 @@
           <a:p>
             <a:fld id="{541E94B5-1AAF-4037-863E-E1C837D881D1}" type="datetimeFigureOut">
               <a:rPr lang="en-US" smtClean="0"/>
-              <a:t>28/08/2024</a:t>
+              <a:t>29/08/2024</a:t>
             </a:fld>
             <a:endParaRPr lang="en-US"/>
           </a:p>
@@ -2682,7 +2689,7 @@
           <a:p>
             <a:fld id="{541E94B5-1AAF-4037-863E-E1C837D881D1}" type="datetimeFigureOut">
               <a:rPr lang="en-US" smtClean="0"/>
-              <a:t>28/08/2024</a:t>
+              <a:t>29/08/2024</a:t>
             </a:fld>
             <a:endParaRPr lang="en-US"/>
           </a:p>
@@ -2923,7 +2930,7 @@
           <a:p>
             <a:fld id="{541E94B5-1AAF-4037-863E-E1C837D881D1}" type="datetimeFigureOut">
               <a:rPr lang="en-US" smtClean="0"/>
-              <a:t>28/08/2024</a:t>
+              <a:t>29/08/2024</a:t>
             </a:fld>
             <a:endParaRPr lang="en-US"/>
           </a:p>
@@ -3946,7 +3953,7 @@
           <p:cNvPr id="2" name="Title 1">
             <a:extLst>
               <a:ext uri="{FF2B5EF4-FFF2-40B4-BE49-F238E27FC236}">
-                <a16:creationId xmlns:a16="http://schemas.microsoft.com/office/drawing/2014/main" id="{152ED58F-8EC8-470E-B9D5-6227A49D1F35}"/>
+                <a16:creationId xmlns:a16="http://schemas.microsoft.com/office/drawing/2014/main" id="{937D3BEC-6642-47E6-A543-B142A833CC2F}"/>
               </a:ext>
             </a:extLst>
           </p:cNvPr>
@@ -3957,14 +3964,21 @@
             <p:ph type="title"/>
           </p:nvPr>
         </p:nvSpPr>
-        <p:spPr/>
-        <p:txBody>
-          <a:bodyPr/>
-          <a:lstStyle/>
-          <a:p>
-            <a:r>
-              <a:rPr lang="en-US"/>
-              <a:t>* Màu da:</a:t>
+        <p:spPr>
+          <a:xfrm>
+            <a:off x="159798" y="16352"/>
+            <a:ext cx="11872404" cy="923327"/>
+          </a:xfrm>
+        </p:spPr>
+        <p:txBody>
+          <a:bodyPr>
+            <a:normAutofit fontScale="90000"/>
+          </a:bodyPr>
+          <a:lstStyle/>
+          <a:p>
+            <a:r>
+              <a:rPr lang="en-US"/>
+              <a:t>Chỉnh màu da nhân vật. https://www.youtube.com/watch?v=qB5HnpHKEp0</a:t>
             </a:r>
           </a:p>
         </p:txBody>
@@ -3974,7 +3988,7 @@
           <p:cNvPr id="4" name="Content Placeholder 3">
             <a:extLst>
               <a:ext uri="{FF2B5EF4-FFF2-40B4-BE49-F238E27FC236}">
-                <a16:creationId xmlns:a16="http://schemas.microsoft.com/office/drawing/2014/main" id="{BF75DB7C-E7C1-4835-B84B-4D6F43870125}"/>
+                <a16:creationId xmlns:a16="http://schemas.microsoft.com/office/drawing/2014/main" id="{C9DB502A-A5D0-4A31-899D-61BBC8015768}"/>
               </a:ext>
             </a:extLst>
           </p:cNvPr>
@@ -3993,8 +4007,8 @@
         </p:blipFill>
         <p:spPr>
           <a:xfrm>
-            <a:off x="2213740" y="1772359"/>
-            <a:ext cx="3272420" cy="4351338"/>
+            <a:off x="159798" y="1074198"/>
+            <a:ext cx="7871387" cy="5669902"/>
           </a:xfrm>
           <a:prstGeom prst="rect">
             <a:avLst/>
@@ -4003,10 +4017,122 @@
       </p:pic>
       <p:sp>
         <p:nvSpPr>
-          <p:cNvPr id="5" name="Rectangle 4">
-            <a:extLst>
-              <a:ext uri="{FF2B5EF4-FFF2-40B4-BE49-F238E27FC236}">
-                <a16:creationId xmlns:a16="http://schemas.microsoft.com/office/drawing/2014/main" id="{E8854E7C-CA61-4E99-948C-973A5B60074E}"/>
+          <p:cNvPr id="5" name="TextBox 4">
+            <a:extLst>
+              <a:ext uri="{FF2B5EF4-FFF2-40B4-BE49-F238E27FC236}">
+                <a16:creationId xmlns:a16="http://schemas.microsoft.com/office/drawing/2014/main" id="{74C279D2-9CFA-4BA6-B769-C0B508AE5AC4}"/>
+              </a:ext>
+            </a:extLst>
+          </p:cNvPr>
+          <p:cNvSpPr txBox="1"/>
+          <p:nvPr/>
+        </p:nvSpPr>
+        <p:spPr>
+          <a:xfrm>
+            <a:off x="8256234" y="1078089"/>
+            <a:ext cx="3842236" cy="923330"/>
+          </a:xfrm>
+          <a:prstGeom prst="rect">
+            <a:avLst/>
+          </a:prstGeom>
+          <a:noFill/>
+        </p:spPr>
+        <p:txBody>
+          <a:bodyPr wrap="square" rtlCol="0">
+            <a:spAutoFit/>
+          </a:bodyPr>
+          <a:lstStyle/>
+          <a:p>
+            <a:r>
+              <a:rPr lang="en-US"/>
+              <a:t>B</a:t>
+            </a:r>
+            <a:r>
+              <a:rPr lang="vi-VN"/>
+              <a:t>ư</a:t>
+            </a:r>
+            <a:r>
+              <a:rPr lang="en-US"/>
+              <a:t>ớc 1: Chọn Solid Color, chọn màu tùy chỉnh mong muốn( vẫn có thể thay đổi tùy chọn sau này).</a:t>
+            </a:r>
+          </a:p>
+        </p:txBody>
+      </p:sp>
+      <p:pic>
+        <p:nvPicPr>
+          <p:cNvPr id="6" name="Picture 5">
+            <a:extLst>
+              <a:ext uri="{FF2B5EF4-FFF2-40B4-BE49-F238E27FC236}">
+                <a16:creationId xmlns:a16="http://schemas.microsoft.com/office/drawing/2014/main" id="{160CB334-4C20-413C-A673-6C74D457DB9E}"/>
+              </a:ext>
+            </a:extLst>
+          </p:cNvPr>
+          <p:cNvPicPr>
+            <a:picLocks noChangeAspect="1"/>
+          </p:cNvPicPr>
+          <p:nvPr/>
+        </p:nvPicPr>
+        <p:blipFill>
+          <a:blip r:embed="rId3"/>
+          <a:stretch>
+            <a:fillRect/>
+          </a:stretch>
+        </p:blipFill>
+        <p:spPr>
+          <a:xfrm>
+            <a:off x="9326307" y="2671657"/>
+            <a:ext cx="2772162" cy="1514686"/>
+          </a:xfrm>
+          <a:prstGeom prst="rect">
+            <a:avLst/>
+          </a:prstGeom>
+        </p:spPr>
+      </p:pic>
+      <p:cxnSp>
+        <p:nvCxnSpPr>
+          <p:cNvPr id="8" name="Straight Arrow Connector 7">
+            <a:extLst>
+              <a:ext uri="{FF2B5EF4-FFF2-40B4-BE49-F238E27FC236}">
+                <a16:creationId xmlns:a16="http://schemas.microsoft.com/office/drawing/2014/main" id="{910F8558-DD19-4113-AC06-F06DD4DF59C2}"/>
+              </a:ext>
+            </a:extLst>
+          </p:cNvPr>
+          <p:cNvCxnSpPr/>
+          <p:nvPr/>
+        </p:nvCxnSpPr>
+        <p:spPr>
+          <a:xfrm>
+            <a:off x="8031185" y="3338004"/>
+            <a:ext cx="1281491" cy="0"/>
+          </a:xfrm>
+          <a:prstGeom prst="straightConnector1">
+            <a:avLst/>
+          </a:prstGeom>
+          <a:ln>
+            <a:tailEnd type="triangle"/>
+          </a:ln>
+        </p:spPr>
+        <p:style>
+          <a:lnRef idx="1">
+            <a:schemeClr val="dk1"/>
+          </a:lnRef>
+          <a:fillRef idx="0">
+            <a:schemeClr val="dk1"/>
+          </a:fillRef>
+          <a:effectRef idx="0">
+            <a:schemeClr val="dk1"/>
+          </a:effectRef>
+          <a:fontRef idx="minor">
+            <a:schemeClr val="tx1"/>
+          </a:fontRef>
+        </p:style>
+      </p:cxnSp>
+      <p:sp>
+        <p:nvSpPr>
+          <p:cNvPr id="9" name="Rectangle 8">
+            <a:extLst>
+              <a:ext uri="{FF2B5EF4-FFF2-40B4-BE49-F238E27FC236}">
+                <a16:creationId xmlns:a16="http://schemas.microsoft.com/office/drawing/2014/main" id="{A71F77EB-E8BD-41D1-A93D-7D7A5D90BD6D}"/>
               </a:ext>
             </a:extLst>
           </p:cNvPr>
@@ -4015,8 +4141,8 @@
         </p:nvSpPr>
         <p:spPr>
           <a:xfrm>
-            <a:off x="2698812" y="1772358"/>
-            <a:ext cx="452761" cy="242873"/>
+            <a:off x="9623394" y="2743201"/>
+            <a:ext cx="1233996" cy="319596"/>
           </a:xfrm>
           <a:prstGeom prst="rect">
             <a:avLst/>
@@ -4048,12 +4174,427 @@
           </a:p>
         </p:txBody>
       </p:sp>
-      <p:sp>
-        <p:nvSpPr>
-          <p:cNvPr id="6" name="Rectangle 5">
-            <a:extLst>
-              <a:ext uri="{FF2B5EF4-FFF2-40B4-BE49-F238E27FC236}">
-                <a16:creationId xmlns:a16="http://schemas.microsoft.com/office/drawing/2014/main" id="{AA5526FF-D4B5-46F7-B200-4AEC88D153DC}"/>
+      <p:cxnSp>
+        <p:nvCxnSpPr>
+          <p:cNvPr id="11" name="Straight Arrow Connector 10">
+            <a:extLst>
+              <a:ext uri="{FF2B5EF4-FFF2-40B4-BE49-F238E27FC236}">
+                <a16:creationId xmlns:a16="http://schemas.microsoft.com/office/drawing/2014/main" id="{0B1A5D68-9A06-44EB-ADA2-58EA827E22CC}"/>
+              </a:ext>
+            </a:extLst>
+          </p:cNvPr>
+          <p:cNvCxnSpPr>
+            <a:cxnSpLocks/>
+          </p:cNvCxnSpPr>
+          <p:nvPr/>
+        </p:nvCxnSpPr>
+        <p:spPr>
+          <a:xfrm flipH="1">
+            <a:off x="9312677" y="3062797"/>
+            <a:ext cx="523781" cy="2281560"/>
+          </a:xfrm>
+          <a:prstGeom prst="straightConnector1">
+            <a:avLst/>
+          </a:prstGeom>
+          <a:ln>
+            <a:tailEnd type="triangle"/>
+          </a:ln>
+        </p:spPr>
+        <p:style>
+          <a:lnRef idx="1">
+            <a:schemeClr val="accent2"/>
+          </a:lnRef>
+          <a:fillRef idx="0">
+            <a:schemeClr val="accent2"/>
+          </a:fillRef>
+          <a:effectRef idx="0">
+            <a:schemeClr val="accent2"/>
+          </a:effectRef>
+          <a:fontRef idx="minor">
+            <a:schemeClr val="tx1"/>
+          </a:fontRef>
+        </p:style>
+      </p:cxnSp>
+      <p:sp>
+        <p:nvSpPr>
+          <p:cNvPr id="13" name="TextBox 12">
+            <a:extLst>
+              <a:ext uri="{FF2B5EF4-FFF2-40B4-BE49-F238E27FC236}">
+                <a16:creationId xmlns:a16="http://schemas.microsoft.com/office/drawing/2014/main" id="{4086111F-CB46-4971-BDE8-F4160EC6BA6D}"/>
+              </a:ext>
+            </a:extLst>
+          </p:cNvPr>
+          <p:cNvSpPr txBox="1"/>
+          <p:nvPr/>
+        </p:nvSpPr>
+        <p:spPr>
+          <a:xfrm>
+            <a:off x="8713943" y="5370990"/>
+            <a:ext cx="3057847" cy="369332"/>
+          </a:xfrm>
+          <a:prstGeom prst="rect">
+            <a:avLst/>
+          </a:prstGeom>
+          <a:noFill/>
+        </p:spPr>
+        <p:txBody>
+          <a:bodyPr wrap="square" rtlCol="0">
+            <a:spAutoFit/>
+          </a:bodyPr>
+          <a:lstStyle/>
+          <a:p>
+            <a:r>
+              <a:rPr lang="en-US"/>
+              <a:t>Chọn Mode Multiply.</a:t>
+            </a:r>
+          </a:p>
+        </p:txBody>
+      </p:sp>
+    </p:spTree>
+    <p:extLst>
+      <p:ext uri="{BB962C8B-B14F-4D97-AF65-F5344CB8AC3E}">
+        <p14:creationId xmlns:p14="http://schemas.microsoft.com/office/powerpoint/2010/main" val="4123322972"/>
+      </p:ext>
+    </p:extLst>
+  </p:cSld>
+  <p:clrMapOvr>
+    <a:masterClrMapping/>
+  </p:clrMapOvr>
+</p:sld>
+</file>
+
+<file path=ppt/slides/slide16.xml><?xml version="1.0" encoding="utf-8"?>
+<p:sld xmlns:a="http://schemas.openxmlformats.org/drawingml/2006/main" xmlns:r="http://schemas.openxmlformats.org/officeDocument/2006/relationships" xmlns:p="http://schemas.openxmlformats.org/presentationml/2006/main">
+  <p:cSld>
+    <p:spTree>
+      <p:nvGrpSpPr>
+        <p:cNvPr id="1" name=""/>
+        <p:cNvGrpSpPr/>
+        <p:nvPr/>
+      </p:nvGrpSpPr>
+      <p:grpSpPr>
+        <a:xfrm>
+          <a:off x="0" y="0"/>
+          <a:ext cx="0" cy="0"/>
+          <a:chOff x="0" y="0"/>
+          <a:chExt cx="0" cy="0"/>
+        </a:xfrm>
+      </p:grpSpPr>
+      <p:sp>
+        <p:nvSpPr>
+          <p:cNvPr id="2" name="Title 1">
+            <a:extLst>
+              <a:ext uri="{FF2B5EF4-FFF2-40B4-BE49-F238E27FC236}">
+                <a16:creationId xmlns:a16="http://schemas.microsoft.com/office/drawing/2014/main" id="{AB19329B-53D2-4470-A899-C4A431645071}"/>
+              </a:ext>
+            </a:extLst>
+          </p:cNvPr>
+          <p:cNvSpPr>
+            <a:spLocks noGrp="1"/>
+          </p:cNvSpPr>
+          <p:nvPr>
+            <p:ph type="title"/>
+          </p:nvPr>
+        </p:nvSpPr>
+        <p:spPr>
+          <a:xfrm>
+            <a:off x="62144" y="78496"/>
+            <a:ext cx="11291656" cy="602541"/>
+          </a:xfrm>
+        </p:spPr>
+        <p:txBody>
+          <a:bodyPr>
+            <a:normAutofit fontScale="90000"/>
+          </a:bodyPr>
+          <a:lstStyle/>
+          <a:p>
+            <a:r>
+              <a:rPr lang="en-US"/>
+              <a:t>B2: Chọn Layer Mask màu trắng.</a:t>
+            </a:r>
+          </a:p>
+        </p:txBody>
+      </p:sp>
+      <p:pic>
+        <p:nvPicPr>
+          <p:cNvPr id="4" name="Content Placeholder 3">
+            <a:extLst>
+              <a:ext uri="{FF2B5EF4-FFF2-40B4-BE49-F238E27FC236}">
+                <a16:creationId xmlns:a16="http://schemas.microsoft.com/office/drawing/2014/main" id="{420D5DDB-3416-4671-97D9-7D96682AC746}"/>
+              </a:ext>
+            </a:extLst>
+          </p:cNvPr>
+          <p:cNvPicPr>
+            <a:picLocks noGrp="1" noChangeAspect="1"/>
+          </p:cNvPicPr>
+          <p:nvPr>
+            <p:ph idx="1"/>
+          </p:nvPr>
+        </p:nvPicPr>
+        <p:blipFill>
+          <a:blip r:embed="rId2"/>
+          <a:stretch>
+            <a:fillRect/>
+          </a:stretch>
+        </p:blipFill>
+        <p:spPr>
+          <a:xfrm>
+            <a:off x="357284" y="1118587"/>
+            <a:ext cx="3335827" cy="1054132"/>
+          </a:xfrm>
+          <a:prstGeom prst="rect">
+            <a:avLst/>
+          </a:prstGeom>
+        </p:spPr>
+      </p:pic>
+      <p:sp>
+        <p:nvSpPr>
+          <p:cNvPr id="5" name="TextBox 4">
+            <a:extLst>
+              <a:ext uri="{FF2B5EF4-FFF2-40B4-BE49-F238E27FC236}">
+                <a16:creationId xmlns:a16="http://schemas.microsoft.com/office/drawing/2014/main" id="{0A7F299D-1713-471A-9FF3-B5ED978EA7EC}"/>
+              </a:ext>
+            </a:extLst>
+          </p:cNvPr>
+          <p:cNvSpPr txBox="1"/>
+          <p:nvPr/>
+        </p:nvSpPr>
+        <p:spPr>
+          <a:xfrm>
+            <a:off x="3915052" y="1118586"/>
+            <a:ext cx="4128117" cy="646331"/>
+          </a:xfrm>
+          <a:prstGeom prst="rect">
+            <a:avLst/>
+          </a:prstGeom>
+          <a:noFill/>
+        </p:spPr>
+        <p:txBody>
+          <a:bodyPr wrap="square" rtlCol="0">
+            <a:spAutoFit/>
+          </a:bodyPr>
+          <a:lstStyle/>
+          <a:p>
+            <a:r>
+              <a:rPr lang="en-US"/>
+              <a:t>Màu trắng là màu hiển thị tất cả hiệu ứng. Màu đen là màu không hiển thị hiệu ứng</a:t>
+            </a:r>
+          </a:p>
+        </p:txBody>
+      </p:sp>
+      <p:pic>
+        <p:nvPicPr>
+          <p:cNvPr id="6" name="Picture 5">
+            <a:extLst>
+              <a:ext uri="{FF2B5EF4-FFF2-40B4-BE49-F238E27FC236}">
+                <a16:creationId xmlns:a16="http://schemas.microsoft.com/office/drawing/2014/main" id="{B742E9BB-E0E6-4975-A598-8A5E814C1C6C}"/>
+              </a:ext>
+            </a:extLst>
+          </p:cNvPr>
+          <p:cNvPicPr>
+            <a:picLocks noChangeAspect="1"/>
+          </p:cNvPicPr>
+          <p:nvPr/>
+        </p:nvPicPr>
+        <p:blipFill>
+          <a:blip r:embed="rId3"/>
+          <a:stretch>
+            <a:fillRect/>
+          </a:stretch>
+        </p:blipFill>
+        <p:spPr>
+          <a:xfrm>
+            <a:off x="568161" y="3429000"/>
+            <a:ext cx="2781688" cy="2676899"/>
+          </a:xfrm>
+          <a:prstGeom prst="rect">
+            <a:avLst/>
+          </a:prstGeom>
+        </p:spPr>
+      </p:pic>
+      <p:cxnSp>
+        <p:nvCxnSpPr>
+          <p:cNvPr id="8" name="Straight Arrow Connector 7">
+            <a:extLst>
+              <a:ext uri="{FF2B5EF4-FFF2-40B4-BE49-F238E27FC236}">
+                <a16:creationId xmlns:a16="http://schemas.microsoft.com/office/drawing/2014/main" id="{29ACB824-DA11-445A-8199-DB1B8DDD504B}"/>
+              </a:ext>
+            </a:extLst>
+          </p:cNvPr>
+          <p:cNvCxnSpPr/>
+          <p:nvPr/>
+        </p:nvCxnSpPr>
+        <p:spPr>
+          <a:xfrm>
+            <a:off x="1420427" y="2172719"/>
+            <a:ext cx="0" cy="1256281"/>
+          </a:xfrm>
+          <a:prstGeom prst="straightConnector1">
+            <a:avLst/>
+          </a:prstGeom>
+          <a:ln>
+            <a:tailEnd type="triangle"/>
+          </a:ln>
+        </p:spPr>
+        <p:style>
+          <a:lnRef idx="1">
+            <a:schemeClr val="dk1"/>
+          </a:lnRef>
+          <a:fillRef idx="0">
+            <a:schemeClr val="dk1"/>
+          </a:fillRef>
+          <a:effectRef idx="0">
+            <a:schemeClr val="dk1"/>
+          </a:effectRef>
+          <a:fontRef idx="minor">
+            <a:schemeClr val="tx1"/>
+          </a:fontRef>
+        </p:style>
+      </p:cxnSp>
+      <p:sp>
+        <p:nvSpPr>
+          <p:cNvPr id="9" name="TextBox 8">
+            <a:extLst>
+              <a:ext uri="{FF2B5EF4-FFF2-40B4-BE49-F238E27FC236}">
+                <a16:creationId xmlns:a16="http://schemas.microsoft.com/office/drawing/2014/main" id="{7A62E23A-98C8-4B87-9D29-BC95747A4A3F}"/>
+              </a:ext>
+            </a:extLst>
+          </p:cNvPr>
+          <p:cNvSpPr txBox="1"/>
+          <p:nvPr/>
+        </p:nvSpPr>
+        <p:spPr>
+          <a:xfrm>
+            <a:off x="3915052" y="3429000"/>
+            <a:ext cx="7776838" cy="369332"/>
+          </a:xfrm>
+          <a:prstGeom prst="rect">
+            <a:avLst/>
+          </a:prstGeom>
+          <a:noFill/>
+        </p:spPr>
+        <p:txBody>
+          <a:bodyPr wrap="square" rtlCol="0">
+            <a:spAutoFit/>
+          </a:bodyPr>
+          <a:lstStyle/>
+          <a:p>
+            <a:r>
+              <a:rPr lang="en-US"/>
+              <a:t>Nhấn Ctrl + I để đảo ng</a:t>
+            </a:r>
+            <a:r>
+              <a:rPr lang="vi-VN"/>
+              <a:t>ư</a:t>
+            </a:r>
+            <a:r>
+              <a:rPr lang="en-US"/>
+              <a:t>ợc vùng chọn.</a:t>
+            </a:r>
+          </a:p>
+        </p:txBody>
+      </p:sp>
+    </p:spTree>
+    <p:extLst>
+      <p:ext uri="{BB962C8B-B14F-4D97-AF65-F5344CB8AC3E}">
+        <p14:creationId xmlns:p14="http://schemas.microsoft.com/office/powerpoint/2010/main" val="810197607"/>
+      </p:ext>
+    </p:extLst>
+  </p:cSld>
+  <p:clrMapOvr>
+    <a:masterClrMapping/>
+  </p:clrMapOvr>
+</p:sld>
+</file>
+
+<file path=ppt/slides/slide17.xml><?xml version="1.0" encoding="utf-8"?>
+<p:sld xmlns:a="http://schemas.openxmlformats.org/drawingml/2006/main" xmlns:r="http://schemas.openxmlformats.org/officeDocument/2006/relationships" xmlns:p="http://schemas.openxmlformats.org/presentationml/2006/main">
+  <p:cSld>
+    <p:spTree>
+      <p:nvGrpSpPr>
+        <p:cNvPr id="1" name=""/>
+        <p:cNvGrpSpPr/>
+        <p:nvPr/>
+      </p:nvGrpSpPr>
+      <p:grpSpPr>
+        <a:xfrm>
+          <a:off x="0" y="0"/>
+          <a:ext cx="0" cy="0"/>
+          <a:chOff x="0" y="0"/>
+          <a:chExt cx="0" cy="0"/>
+        </a:xfrm>
+      </p:grpSpPr>
+      <p:sp>
+        <p:nvSpPr>
+          <p:cNvPr id="2" name="Title 1">
+            <a:extLst>
+              <a:ext uri="{FF2B5EF4-FFF2-40B4-BE49-F238E27FC236}">
+                <a16:creationId xmlns:a16="http://schemas.microsoft.com/office/drawing/2014/main" id="{64DF04EC-B934-4476-A1FA-9FE74F21CA8B}"/>
+              </a:ext>
+            </a:extLst>
+          </p:cNvPr>
+          <p:cNvSpPr>
+            <a:spLocks noGrp="1"/>
+          </p:cNvSpPr>
+          <p:nvPr>
+            <p:ph type="title"/>
+          </p:nvPr>
+        </p:nvSpPr>
+        <p:spPr>
+          <a:xfrm>
+            <a:off x="0" y="10029"/>
+            <a:ext cx="10515600" cy="675334"/>
+          </a:xfrm>
+        </p:spPr>
+        <p:txBody>
+          <a:bodyPr>
+            <a:normAutofit fontScale="90000"/>
+          </a:bodyPr>
+          <a:lstStyle/>
+          <a:p>
+            <a:r>
+              <a:rPr lang="en-US"/>
+              <a:t>Bước 3: Chọn công cụ Brush Tool.</a:t>
+            </a:r>
+          </a:p>
+        </p:txBody>
+      </p:sp>
+      <p:pic>
+        <p:nvPicPr>
+          <p:cNvPr id="4" name="Picture 3">
+            <a:extLst>
+              <a:ext uri="{FF2B5EF4-FFF2-40B4-BE49-F238E27FC236}">
+                <a16:creationId xmlns:a16="http://schemas.microsoft.com/office/drawing/2014/main" id="{B79E939D-F908-440F-8794-D7E50CC90AF1}"/>
+              </a:ext>
+            </a:extLst>
+          </p:cNvPr>
+          <p:cNvPicPr>
+            <a:picLocks noChangeAspect="1"/>
+          </p:cNvPicPr>
+          <p:nvPr/>
+        </p:nvPicPr>
+        <p:blipFill>
+          <a:blip r:embed="rId2"/>
+          <a:stretch>
+            <a:fillRect/>
+          </a:stretch>
+        </p:blipFill>
+        <p:spPr>
+          <a:xfrm>
+            <a:off x="0" y="901459"/>
+            <a:ext cx="2974019" cy="1467991"/>
+          </a:xfrm>
+          <a:prstGeom prst="rect">
+            <a:avLst/>
+          </a:prstGeom>
+        </p:spPr>
+      </p:pic>
+      <p:sp>
+        <p:nvSpPr>
+          <p:cNvPr id="5" name="Rectangle 4">
+            <a:extLst>
+              <a:ext uri="{FF2B5EF4-FFF2-40B4-BE49-F238E27FC236}">
+                <a16:creationId xmlns:a16="http://schemas.microsoft.com/office/drawing/2014/main" id="{9EFFFAA7-8685-4092-A254-AFF8AD4C7784}"/>
               </a:ext>
             </a:extLst>
           </p:cNvPr>
@@ -4062,8 +4603,8 @@
         </p:nvSpPr>
         <p:spPr>
           <a:xfrm>
-            <a:off x="2689934" y="2663301"/>
-            <a:ext cx="2263806" cy="390617"/>
+            <a:off x="998737" y="992015"/>
+            <a:ext cx="976544" cy="358282"/>
           </a:xfrm>
           <a:prstGeom prst="rect">
             <a:avLst/>
@@ -4095,10 +4636,678 @@
           </a:p>
         </p:txBody>
       </p:sp>
+      <p:cxnSp>
+        <p:nvCxnSpPr>
+          <p:cNvPr id="7" name="Straight Arrow Connector 6">
+            <a:extLst>
+              <a:ext uri="{FF2B5EF4-FFF2-40B4-BE49-F238E27FC236}">
+                <a16:creationId xmlns:a16="http://schemas.microsoft.com/office/drawing/2014/main" id="{4AE1AF24-AB47-4E07-A74A-5267C6B8E539}"/>
+              </a:ext>
+            </a:extLst>
+          </p:cNvPr>
+          <p:cNvCxnSpPr>
+            <a:cxnSpLocks/>
+          </p:cNvCxnSpPr>
+          <p:nvPr/>
+        </p:nvCxnSpPr>
+        <p:spPr>
+          <a:xfrm>
+            <a:off x="2050742" y="1171156"/>
+            <a:ext cx="4120719" cy="355036"/>
+          </a:xfrm>
+          <a:prstGeom prst="straightConnector1">
+            <a:avLst/>
+          </a:prstGeom>
+          <a:ln>
+            <a:tailEnd type="triangle"/>
+          </a:ln>
+        </p:spPr>
+        <p:style>
+          <a:lnRef idx="1">
+            <a:schemeClr val="dk1"/>
+          </a:lnRef>
+          <a:fillRef idx="0">
+            <a:schemeClr val="dk1"/>
+          </a:fillRef>
+          <a:effectRef idx="0">
+            <a:schemeClr val="dk1"/>
+          </a:effectRef>
+          <a:fontRef idx="minor">
+            <a:schemeClr val="tx1"/>
+          </a:fontRef>
+        </p:style>
+      </p:cxnSp>
+      <p:pic>
+        <p:nvPicPr>
+          <p:cNvPr id="8" name="Picture 7">
+            <a:extLst>
+              <a:ext uri="{FF2B5EF4-FFF2-40B4-BE49-F238E27FC236}">
+                <a16:creationId xmlns:a16="http://schemas.microsoft.com/office/drawing/2014/main" id="{1BC8FACE-A60C-4480-9B6B-4D6F9A1665F5}"/>
+              </a:ext>
+            </a:extLst>
+          </p:cNvPr>
+          <p:cNvPicPr>
+            <a:picLocks noChangeAspect="1"/>
+          </p:cNvPicPr>
+          <p:nvPr/>
+        </p:nvPicPr>
+        <p:blipFill>
+          <a:blip r:embed="rId3"/>
+          <a:stretch>
+            <a:fillRect/>
+          </a:stretch>
+        </p:blipFill>
+        <p:spPr>
+          <a:xfrm>
+            <a:off x="6171461" y="846230"/>
+            <a:ext cx="1974541" cy="1578447"/>
+          </a:xfrm>
+          <a:prstGeom prst="rect">
+            <a:avLst/>
+          </a:prstGeom>
+        </p:spPr>
+      </p:pic>
+      <p:sp>
+        <p:nvSpPr>
+          <p:cNvPr id="10" name="TextBox 9">
+            <a:extLst>
+              <a:ext uri="{FF2B5EF4-FFF2-40B4-BE49-F238E27FC236}">
+                <a16:creationId xmlns:a16="http://schemas.microsoft.com/office/drawing/2014/main" id="{4164FA00-8FB9-49D3-B33C-F20A384115CB}"/>
+              </a:ext>
+            </a:extLst>
+          </p:cNvPr>
+          <p:cNvSpPr txBox="1"/>
+          <p:nvPr/>
+        </p:nvSpPr>
+        <p:spPr>
+          <a:xfrm>
+            <a:off x="8609863" y="1580227"/>
+            <a:ext cx="3392747" cy="646331"/>
+          </a:xfrm>
+          <a:prstGeom prst="rect">
+            <a:avLst/>
+          </a:prstGeom>
+          <a:noFill/>
+        </p:spPr>
+        <p:txBody>
+          <a:bodyPr wrap="square" rtlCol="0">
+            <a:spAutoFit/>
+          </a:bodyPr>
+          <a:lstStyle/>
+          <a:p>
+            <a:r>
+              <a:rPr lang="en-US"/>
+              <a:t>Chuyển màu trắng lên trên. Nhấn phím “ X “</a:t>
+            </a:r>
+          </a:p>
+        </p:txBody>
+      </p:sp>
+      <p:pic>
+        <p:nvPicPr>
+          <p:cNvPr id="11" name="Picture 10">
+            <a:extLst>
+              <a:ext uri="{FF2B5EF4-FFF2-40B4-BE49-F238E27FC236}">
+                <a16:creationId xmlns:a16="http://schemas.microsoft.com/office/drawing/2014/main" id="{FFF6F441-96E2-4643-86E8-E804D5F40CD1}"/>
+              </a:ext>
+            </a:extLst>
+          </p:cNvPr>
+          <p:cNvPicPr>
+            <a:picLocks noChangeAspect="1"/>
+          </p:cNvPicPr>
+          <p:nvPr/>
+        </p:nvPicPr>
+        <p:blipFill>
+          <a:blip r:embed="rId4"/>
+          <a:stretch>
+            <a:fillRect/>
+          </a:stretch>
+        </p:blipFill>
+        <p:spPr>
+          <a:xfrm>
+            <a:off x="4476442" y="2846655"/>
+            <a:ext cx="3669560" cy="2556540"/>
+          </a:xfrm>
+          <a:prstGeom prst="rect">
+            <a:avLst/>
+          </a:prstGeom>
+        </p:spPr>
+      </p:pic>
+      <p:cxnSp>
+        <p:nvCxnSpPr>
+          <p:cNvPr id="13" name="Straight Arrow Connector 12">
+            <a:extLst>
+              <a:ext uri="{FF2B5EF4-FFF2-40B4-BE49-F238E27FC236}">
+                <a16:creationId xmlns:a16="http://schemas.microsoft.com/office/drawing/2014/main" id="{DCF514B3-E167-4C3C-82CE-E7E781EF6842}"/>
+              </a:ext>
+            </a:extLst>
+          </p:cNvPr>
+          <p:cNvCxnSpPr>
+            <a:cxnSpLocks/>
+          </p:cNvCxnSpPr>
+          <p:nvPr/>
+        </p:nvCxnSpPr>
+        <p:spPr>
+          <a:xfrm>
+            <a:off x="6631620" y="1903392"/>
+            <a:ext cx="0" cy="901952"/>
+          </a:xfrm>
+          <a:prstGeom prst="straightConnector1">
+            <a:avLst/>
+          </a:prstGeom>
+          <a:ln>
+            <a:tailEnd type="triangle"/>
+          </a:ln>
+        </p:spPr>
+        <p:style>
+          <a:lnRef idx="1">
+            <a:schemeClr val="dk1"/>
+          </a:lnRef>
+          <a:fillRef idx="0">
+            <a:schemeClr val="dk1"/>
+          </a:fillRef>
+          <a:effectRef idx="0">
+            <a:schemeClr val="dk1"/>
+          </a:effectRef>
+          <a:fontRef idx="minor">
+            <a:schemeClr val="tx1"/>
+          </a:fontRef>
+        </p:style>
+      </p:cxnSp>
+      <p:sp>
+        <p:nvSpPr>
+          <p:cNvPr id="15" name="TextBox 14">
+            <a:extLst>
+              <a:ext uri="{FF2B5EF4-FFF2-40B4-BE49-F238E27FC236}">
+                <a16:creationId xmlns:a16="http://schemas.microsoft.com/office/drawing/2014/main" id="{8CF550E3-9013-44CC-9A83-F4327B52931D}"/>
+              </a:ext>
+            </a:extLst>
+          </p:cNvPr>
+          <p:cNvSpPr txBox="1"/>
+          <p:nvPr/>
+        </p:nvSpPr>
+        <p:spPr>
+          <a:xfrm>
+            <a:off x="8609863" y="3263413"/>
+            <a:ext cx="2982897" cy="646331"/>
+          </a:xfrm>
+          <a:prstGeom prst="rect">
+            <a:avLst/>
+          </a:prstGeom>
+          <a:noFill/>
+        </p:spPr>
+        <p:txBody>
+          <a:bodyPr wrap="square" rtlCol="0">
+            <a:spAutoFit/>
+          </a:bodyPr>
+          <a:lstStyle/>
+          <a:p>
+            <a:r>
+              <a:rPr lang="en-US"/>
+              <a:t>Sau đó tô màu vào vùng da mong muốn.</a:t>
+            </a:r>
+          </a:p>
+        </p:txBody>
+      </p:sp>
+      <p:cxnSp>
+        <p:nvCxnSpPr>
+          <p:cNvPr id="23" name="Straight Arrow Connector 22">
+            <a:extLst>
+              <a:ext uri="{FF2B5EF4-FFF2-40B4-BE49-F238E27FC236}">
+                <a16:creationId xmlns:a16="http://schemas.microsoft.com/office/drawing/2014/main" id="{1684FF7C-DF56-472B-A8AA-049D15C312D4}"/>
+              </a:ext>
+            </a:extLst>
+          </p:cNvPr>
+          <p:cNvCxnSpPr>
+            <a:cxnSpLocks/>
+          </p:cNvCxnSpPr>
+          <p:nvPr/>
+        </p:nvCxnSpPr>
+        <p:spPr>
+          <a:xfrm flipH="1">
+            <a:off x="3329126" y="3586579"/>
+            <a:ext cx="2423604" cy="0"/>
+          </a:xfrm>
+          <a:prstGeom prst="straightConnector1">
+            <a:avLst/>
+          </a:prstGeom>
+          <a:ln>
+            <a:tailEnd type="triangle"/>
+          </a:ln>
+        </p:spPr>
+        <p:style>
+          <a:lnRef idx="1">
+            <a:schemeClr val="dk1"/>
+          </a:lnRef>
+          <a:fillRef idx="0">
+            <a:schemeClr val="dk1"/>
+          </a:fillRef>
+          <a:effectRef idx="0">
+            <a:schemeClr val="dk1"/>
+          </a:effectRef>
+          <a:fontRef idx="minor">
+            <a:schemeClr val="tx1"/>
+          </a:fontRef>
+        </p:style>
+      </p:cxnSp>
+      <p:sp>
+        <p:nvSpPr>
+          <p:cNvPr id="25" name="TextBox 24">
+            <a:extLst>
+              <a:ext uri="{FF2B5EF4-FFF2-40B4-BE49-F238E27FC236}">
+                <a16:creationId xmlns:a16="http://schemas.microsoft.com/office/drawing/2014/main" id="{3874A1F7-9649-4305-B02C-531764F6269B}"/>
+              </a:ext>
+            </a:extLst>
+          </p:cNvPr>
+          <p:cNvSpPr txBox="1"/>
+          <p:nvPr/>
+        </p:nvSpPr>
+        <p:spPr>
+          <a:xfrm>
+            <a:off x="150920" y="3096956"/>
+            <a:ext cx="3469320" cy="1754326"/>
+          </a:xfrm>
+          <a:prstGeom prst="rect">
+            <a:avLst/>
+          </a:prstGeom>
+          <a:noFill/>
+        </p:spPr>
+        <p:txBody>
+          <a:bodyPr wrap="square" rtlCol="0">
+            <a:spAutoFit/>
+          </a:bodyPr>
+          <a:lstStyle/>
+          <a:p>
+            <a:r>
+              <a:rPr lang="en-US"/>
+              <a:t>Đầu Bút : Nhấn phím Alt+ Chuột phải và di chuột .</a:t>
+            </a:r>
+          </a:p>
+          <a:p>
+            <a:pPr marL="285750" indent="-285750">
+              <a:buFontTx/>
+              <a:buChar char="-"/>
+            </a:pPr>
+            <a:r>
+              <a:rPr lang="en-US"/>
+              <a:t>Trái , phải: tang, giảm Size của đầu bút.</a:t>
+            </a:r>
+          </a:p>
+          <a:p>
+            <a:pPr marL="285750" indent="-285750">
+              <a:buFontTx/>
+              <a:buChar char="-"/>
+            </a:pPr>
+            <a:r>
+              <a:rPr lang="en-US"/>
+              <a:t>-</a:t>
+            </a:r>
+          </a:p>
+          <a:p>
+            <a:r>
+              <a:rPr lang="en-US"/>
+              <a:t> </a:t>
+            </a:r>
+          </a:p>
+        </p:txBody>
+      </p:sp>
+      <p:pic>
+        <p:nvPicPr>
+          <p:cNvPr id="26" name="Picture 25">
+            <a:extLst>
+              <a:ext uri="{FF2B5EF4-FFF2-40B4-BE49-F238E27FC236}">
+                <a16:creationId xmlns:a16="http://schemas.microsoft.com/office/drawing/2014/main" id="{9FB379D3-8927-4022-A959-0175447888D2}"/>
+              </a:ext>
+            </a:extLst>
+          </p:cNvPr>
+          <p:cNvPicPr>
+            <a:picLocks noChangeAspect="1"/>
+          </p:cNvPicPr>
+          <p:nvPr/>
+        </p:nvPicPr>
+        <p:blipFill>
+          <a:blip r:embed="rId5"/>
+          <a:stretch>
+            <a:fillRect/>
+          </a:stretch>
+        </p:blipFill>
+        <p:spPr>
+          <a:xfrm>
+            <a:off x="533126" y="5403195"/>
+            <a:ext cx="2343477" cy="1324160"/>
+          </a:xfrm>
+          <a:prstGeom prst="rect">
+            <a:avLst/>
+          </a:prstGeom>
+        </p:spPr>
+      </p:pic>
+      <p:cxnSp>
+        <p:nvCxnSpPr>
+          <p:cNvPr id="34" name="Straight Arrow Connector 33">
+            <a:extLst>
+              <a:ext uri="{FF2B5EF4-FFF2-40B4-BE49-F238E27FC236}">
+                <a16:creationId xmlns:a16="http://schemas.microsoft.com/office/drawing/2014/main" id="{C30A784E-9B9C-4E9B-8FE3-95D57EFA10BC}"/>
+              </a:ext>
+            </a:extLst>
+          </p:cNvPr>
+          <p:cNvCxnSpPr>
+            <a:cxnSpLocks/>
+          </p:cNvCxnSpPr>
+          <p:nvPr/>
+        </p:nvCxnSpPr>
+        <p:spPr>
+          <a:xfrm flipH="1">
+            <a:off x="2876603" y="4536489"/>
+            <a:ext cx="1599840" cy="1009772"/>
+          </a:xfrm>
+          <a:prstGeom prst="straightConnector1">
+            <a:avLst/>
+          </a:prstGeom>
+          <a:ln>
+            <a:tailEnd type="triangle"/>
+          </a:ln>
+        </p:spPr>
+        <p:style>
+          <a:lnRef idx="1">
+            <a:schemeClr val="dk1"/>
+          </a:lnRef>
+          <a:fillRef idx="0">
+            <a:schemeClr val="dk1"/>
+          </a:fillRef>
+          <a:effectRef idx="0">
+            <a:schemeClr val="dk1"/>
+          </a:effectRef>
+          <a:fontRef idx="minor">
+            <a:schemeClr val="tx1"/>
+          </a:fontRef>
+        </p:style>
+      </p:cxnSp>
+      <p:sp>
+        <p:nvSpPr>
+          <p:cNvPr id="35" name="TextBox 34">
+            <a:extLst>
+              <a:ext uri="{FF2B5EF4-FFF2-40B4-BE49-F238E27FC236}">
+                <a16:creationId xmlns:a16="http://schemas.microsoft.com/office/drawing/2014/main" id="{6D123D17-4558-496A-A4C2-9B05DD6DA3C1}"/>
+              </a:ext>
+            </a:extLst>
+          </p:cNvPr>
+          <p:cNvSpPr txBox="1"/>
+          <p:nvPr/>
+        </p:nvSpPr>
+        <p:spPr>
+          <a:xfrm>
+            <a:off x="2876603" y="5809076"/>
+            <a:ext cx="8052047" cy="369332"/>
+          </a:xfrm>
+          <a:prstGeom prst="rect">
+            <a:avLst/>
+          </a:prstGeom>
+          <a:noFill/>
+        </p:spPr>
+        <p:txBody>
+          <a:bodyPr wrap="square" rtlCol="0">
+            <a:spAutoFit/>
+          </a:bodyPr>
+          <a:lstStyle/>
+          <a:p>
+            <a:r>
+              <a:rPr lang="en-US"/>
+              <a:t>Sau khi chọn vùng da xong thì hãy hạ Opacity xuống.( Chỉnh thấp về ng</a:t>
+            </a:r>
+            <a:r>
+              <a:rPr lang="vi-VN"/>
+              <a:t>ư</a:t>
+            </a:r>
+            <a:r>
+              <a:rPr lang="en-US"/>
+              <a:t>ỡng 25%)</a:t>
+            </a:r>
+          </a:p>
+        </p:txBody>
+      </p:sp>
     </p:spTree>
     <p:extLst>
       <p:ext uri="{BB962C8B-B14F-4D97-AF65-F5344CB8AC3E}">
-        <p14:creationId xmlns:p14="http://schemas.microsoft.com/office/powerpoint/2010/main" val="1141125898"/>
+        <p14:creationId xmlns:p14="http://schemas.microsoft.com/office/powerpoint/2010/main" val="4258308041"/>
+      </p:ext>
+    </p:extLst>
+  </p:cSld>
+  <p:clrMapOvr>
+    <a:masterClrMapping/>
+  </p:clrMapOvr>
+</p:sld>
+</file>
+
+<file path=ppt/slides/slide18.xml><?xml version="1.0" encoding="utf-8"?>
+<p:sld xmlns:a="http://schemas.openxmlformats.org/drawingml/2006/main" xmlns:r="http://schemas.openxmlformats.org/officeDocument/2006/relationships" xmlns:p="http://schemas.openxmlformats.org/presentationml/2006/main">
+  <p:cSld>
+    <p:spTree>
+      <p:nvGrpSpPr>
+        <p:cNvPr id="1" name=""/>
+        <p:cNvGrpSpPr/>
+        <p:nvPr/>
+      </p:nvGrpSpPr>
+      <p:grpSpPr>
+        <a:xfrm>
+          <a:off x="0" y="0"/>
+          <a:ext cx="0" cy="0"/>
+          <a:chOff x="0" y="0"/>
+          <a:chExt cx="0" cy="0"/>
+        </a:xfrm>
+      </p:grpSpPr>
+      <p:sp>
+        <p:nvSpPr>
+          <p:cNvPr id="2" name="Title 1">
+            <a:extLst>
+              <a:ext uri="{FF2B5EF4-FFF2-40B4-BE49-F238E27FC236}">
+                <a16:creationId xmlns:a16="http://schemas.microsoft.com/office/drawing/2014/main" id="{6D8D988E-0339-4313-96D4-93DDA3C4EAD4}"/>
+              </a:ext>
+            </a:extLst>
+          </p:cNvPr>
+          <p:cNvSpPr>
+            <a:spLocks noGrp="1"/>
+          </p:cNvSpPr>
+          <p:nvPr>
+            <p:ph type="title"/>
+          </p:nvPr>
+        </p:nvSpPr>
+        <p:spPr>
+          <a:xfrm>
+            <a:off x="88777" y="63285"/>
+            <a:ext cx="11078592" cy="1108568"/>
+          </a:xfrm>
+        </p:spPr>
+        <p:txBody>
+          <a:bodyPr>
+            <a:normAutofit fontScale="90000"/>
+          </a:bodyPr>
+          <a:lstStyle/>
+          <a:p>
+            <a:r>
+              <a:rPr lang="en-US"/>
+              <a:t>Chuyển lại vùng màu đen, và tô lại những phần bị dính màu không mong muốn.</a:t>
+            </a:r>
+          </a:p>
+        </p:txBody>
+      </p:sp>
+      <p:sp>
+        <p:nvSpPr>
+          <p:cNvPr id="3" name="Content Placeholder 2">
+            <a:extLst>
+              <a:ext uri="{FF2B5EF4-FFF2-40B4-BE49-F238E27FC236}">
+                <a16:creationId xmlns:a16="http://schemas.microsoft.com/office/drawing/2014/main" id="{9F339CBD-3D8C-431B-BF69-3E79F6CD9B4E}"/>
+              </a:ext>
+            </a:extLst>
+          </p:cNvPr>
+          <p:cNvSpPr>
+            <a:spLocks noGrp="1"/>
+          </p:cNvSpPr>
+          <p:nvPr>
+            <p:ph idx="1"/>
+          </p:nvPr>
+        </p:nvSpPr>
+        <p:spPr>
+          <a:xfrm>
+            <a:off x="275208" y="1171853"/>
+            <a:ext cx="11078592" cy="4580877"/>
+          </a:xfrm>
+        </p:spPr>
+        <p:txBody>
+          <a:bodyPr/>
+          <a:lstStyle/>
+          <a:p>
+            <a:endParaRPr lang="en-US"/>
+          </a:p>
+        </p:txBody>
+      </p:sp>
+      <p:pic>
+        <p:nvPicPr>
+          <p:cNvPr id="4" name="Picture 3">
+            <a:extLst>
+              <a:ext uri="{FF2B5EF4-FFF2-40B4-BE49-F238E27FC236}">
+                <a16:creationId xmlns:a16="http://schemas.microsoft.com/office/drawing/2014/main" id="{33B74CE0-6F3A-46FB-9FD1-DCC0A00E554C}"/>
+              </a:ext>
+            </a:extLst>
+          </p:cNvPr>
+          <p:cNvPicPr>
+            <a:picLocks noChangeAspect="1"/>
+          </p:cNvPicPr>
+          <p:nvPr/>
+        </p:nvPicPr>
+        <p:blipFill>
+          <a:blip r:embed="rId2"/>
+          <a:stretch>
+            <a:fillRect/>
+          </a:stretch>
+        </p:blipFill>
+        <p:spPr>
+          <a:xfrm>
+            <a:off x="275208" y="1247470"/>
+            <a:ext cx="7649643" cy="4363059"/>
+          </a:xfrm>
+          <a:prstGeom prst="rect">
+            <a:avLst/>
+          </a:prstGeom>
+        </p:spPr>
+      </p:pic>
+      <p:sp>
+        <p:nvSpPr>
+          <p:cNvPr id="5" name="TextBox 4">
+            <a:extLst>
+              <a:ext uri="{FF2B5EF4-FFF2-40B4-BE49-F238E27FC236}">
+                <a16:creationId xmlns:a16="http://schemas.microsoft.com/office/drawing/2014/main" id="{0B38E7D9-A0AC-4632-9D4E-C314E8386A0D}"/>
+              </a:ext>
+            </a:extLst>
+          </p:cNvPr>
+          <p:cNvSpPr txBox="1"/>
+          <p:nvPr/>
+        </p:nvSpPr>
+        <p:spPr>
+          <a:xfrm>
+            <a:off x="292594" y="5828347"/>
+            <a:ext cx="5521910" cy="369332"/>
+          </a:xfrm>
+          <a:prstGeom prst="rect">
+            <a:avLst/>
+          </a:prstGeom>
+          <a:noFill/>
+        </p:spPr>
+        <p:txBody>
+          <a:bodyPr wrap="square" rtlCol="0">
+            <a:spAutoFit/>
+          </a:bodyPr>
+          <a:lstStyle/>
+          <a:p>
+            <a:r>
+              <a:rPr lang="en-US"/>
+              <a:t>Có thể chuyển lại tone màu trong phần Solid Color.</a:t>
+            </a:r>
+          </a:p>
+        </p:txBody>
+      </p:sp>
+    </p:spTree>
+    <p:extLst>
+      <p:ext uri="{BB962C8B-B14F-4D97-AF65-F5344CB8AC3E}">
+        <p14:creationId xmlns:p14="http://schemas.microsoft.com/office/powerpoint/2010/main" val="766948920"/>
+      </p:ext>
+    </p:extLst>
+  </p:cSld>
+  <p:clrMapOvr>
+    <a:masterClrMapping/>
+  </p:clrMapOvr>
+</p:sld>
+</file>
+
+<file path=ppt/slides/slide19.xml><?xml version="1.0" encoding="utf-8"?>
+<p:sld xmlns:a="http://schemas.openxmlformats.org/drawingml/2006/main" xmlns:r="http://schemas.openxmlformats.org/officeDocument/2006/relationships" xmlns:p="http://schemas.openxmlformats.org/presentationml/2006/main">
+  <p:cSld>
+    <p:spTree>
+      <p:nvGrpSpPr>
+        <p:cNvPr id="1" name=""/>
+        <p:cNvGrpSpPr/>
+        <p:nvPr/>
+      </p:nvGrpSpPr>
+      <p:grpSpPr>
+        <a:xfrm>
+          <a:off x="0" y="0"/>
+          <a:ext cx="0" cy="0"/>
+          <a:chOff x="0" y="0"/>
+          <a:chExt cx="0" cy="0"/>
+        </a:xfrm>
+      </p:grpSpPr>
+      <p:sp>
+        <p:nvSpPr>
+          <p:cNvPr id="2" name="Title 1">
+            <a:extLst>
+              <a:ext uri="{FF2B5EF4-FFF2-40B4-BE49-F238E27FC236}">
+                <a16:creationId xmlns:a16="http://schemas.microsoft.com/office/drawing/2014/main" id="{7455E6BC-69CD-4DFE-A6EB-B9F188BB75B1}"/>
+              </a:ext>
+            </a:extLst>
+          </p:cNvPr>
+          <p:cNvSpPr>
+            <a:spLocks noGrp="1"/>
+          </p:cNvSpPr>
+          <p:nvPr>
+            <p:ph type="title"/>
+          </p:nvPr>
+        </p:nvSpPr>
+        <p:spPr/>
+        <p:txBody>
+          <a:bodyPr/>
+          <a:lstStyle/>
+          <a:p>
+            <a:endParaRPr lang="en-US"/>
+          </a:p>
+        </p:txBody>
+      </p:sp>
+      <p:sp>
+        <p:nvSpPr>
+          <p:cNvPr id="3" name="Content Placeholder 2">
+            <a:extLst>
+              <a:ext uri="{FF2B5EF4-FFF2-40B4-BE49-F238E27FC236}">
+                <a16:creationId xmlns:a16="http://schemas.microsoft.com/office/drawing/2014/main" id="{7B14B20D-D7A5-483B-8004-5915BF9DAD45}"/>
+              </a:ext>
+            </a:extLst>
+          </p:cNvPr>
+          <p:cNvSpPr>
+            <a:spLocks noGrp="1"/>
+          </p:cNvSpPr>
+          <p:nvPr>
+            <p:ph idx="1"/>
+          </p:nvPr>
+        </p:nvSpPr>
+        <p:spPr/>
+        <p:txBody>
+          <a:bodyPr/>
+          <a:lstStyle/>
+          <a:p>
+            <a:endParaRPr lang="en-US"/>
+          </a:p>
+        </p:txBody>
+      </p:sp>
+    </p:spTree>
+    <p:extLst>
+      <p:ext uri="{BB962C8B-B14F-4D97-AF65-F5344CB8AC3E}">
+        <p14:creationId xmlns:p14="http://schemas.microsoft.com/office/powerpoint/2010/main" val="3768401826"/>
       </p:ext>
     </p:extLst>
   </p:cSld>
@@ -4190,6 +5399,355 @@
     <p:extLst>
       <p:ext uri="{BB962C8B-B14F-4D97-AF65-F5344CB8AC3E}">
         <p14:creationId xmlns:p14="http://schemas.microsoft.com/office/powerpoint/2010/main" val="3220402165"/>
+      </p:ext>
+    </p:extLst>
+  </p:cSld>
+  <p:clrMapOvr>
+    <a:masterClrMapping/>
+  </p:clrMapOvr>
+</p:sld>
+</file>
+
+<file path=ppt/slides/slide20.xml><?xml version="1.0" encoding="utf-8"?>
+<p:sld xmlns:a="http://schemas.openxmlformats.org/drawingml/2006/main" xmlns:r="http://schemas.openxmlformats.org/officeDocument/2006/relationships" xmlns:p="http://schemas.openxmlformats.org/presentationml/2006/main">
+  <p:cSld>
+    <p:spTree>
+      <p:nvGrpSpPr>
+        <p:cNvPr id="1" name=""/>
+        <p:cNvGrpSpPr/>
+        <p:nvPr/>
+      </p:nvGrpSpPr>
+      <p:grpSpPr>
+        <a:xfrm>
+          <a:off x="0" y="0"/>
+          <a:ext cx="0" cy="0"/>
+          <a:chOff x="0" y="0"/>
+          <a:chExt cx="0" cy="0"/>
+        </a:xfrm>
+      </p:grpSpPr>
+      <p:sp>
+        <p:nvSpPr>
+          <p:cNvPr id="2" name="Title 1">
+            <a:extLst>
+              <a:ext uri="{FF2B5EF4-FFF2-40B4-BE49-F238E27FC236}">
+                <a16:creationId xmlns:a16="http://schemas.microsoft.com/office/drawing/2014/main" id="{1783E440-D1DD-4B95-806D-AE955F4B2E42}"/>
+              </a:ext>
+            </a:extLst>
+          </p:cNvPr>
+          <p:cNvSpPr>
+            <a:spLocks noGrp="1"/>
+          </p:cNvSpPr>
+          <p:nvPr>
+            <p:ph type="title"/>
+          </p:nvPr>
+        </p:nvSpPr>
+        <p:spPr/>
+        <p:txBody>
+          <a:bodyPr/>
+          <a:lstStyle/>
+          <a:p>
+            <a:endParaRPr lang="en-US"/>
+          </a:p>
+        </p:txBody>
+      </p:sp>
+      <p:sp>
+        <p:nvSpPr>
+          <p:cNvPr id="3" name="Content Placeholder 2">
+            <a:extLst>
+              <a:ext uri="{FF2B5EF4-FFF2-40B4-BE49-F238E27FC236}">
+                <a16:creationId xmlns:a16="http://schemas.microsoft.com/office/drawing/2014/main" id="{2CCCF251-0F2A-4506-8C6A-08628C1AF5B2}"/>
+              </a:ext>
+            </a:extLst>
+          </p:cNvPr>
+          <p:cNvSpPr>
+            <a:spLocks noGrp="1"/>
+          </p:cNvSpPr>
+          <p:nvPr>
+            <p:ph idx="1"/>
+          </p:nvPr>
+        </p:nvSpPr>
+        <p:spPr/>
+        <p:txBody>
+          <a:bodyPr/>
+          <a:lstStyle/>
+          <a:p>
+            <a:endParaRPr lang="en-US"/>
+          </a:p>
+        </p:txBody>
+      </p:sp>
+    </p:spTree>
+    <p:extLst>
+      <p:ext uri="{BB962C8B-B14F-4D97-AF65-F5344CB8AC3E}">
+        <p14:creationId xmlns:p14="http://schemas.microsoft.com/office/powerpoint/2010/main" val="1981023740"/>
+      </p:ext>
+    </p:extLst>
+  </p:cSld>
+  <p:clrMapOvr>
+    <a:masterClrMapping/>
+  </p:clrMapOvr>
+</p:sld>
+</file>
+
+<file path=ppt/slides/slide21.xml><?xml version="1.0" encoding="utf-8"?>
+<p:sld xmlns:a="http://schemas.openxmlformats.org/drawingml/2006/main" xmlns:r="http://schemas.openxmlformats.org/officeDocument/2006/relationships" xmlns:p="http://schemas.openxmlformats.org/presentationml/2006/main">
+  <p:cSld>
+    <p:spTree>
+      <p:nvGrpSpPr>
+        <p:cNvPr id="1" name=""/>
+        <p:cNvGrpSpPr/>
+        <p:nvPr/>
+      </p:nvGrpSpPr>
+      <p:grpSpPr>
+        <a:xfrm>
+          <a:off x="0" y="0"/>
+          <a:ext cx="0" cy="0"/>
+          <a:chOff x="0" y="0"/>
+          <a:chExt cx="0" cy="0"/>
+        </a:xfrm>
+      </p:grpSpPr>
+      <p:sp>
+        <p:nvSpPr>
+          <p:cNvPr id="2" name="Title 1">
+            <a:extLst>
+              <a:ext uri="{FF2B5EF4-FFF2-40B4-BE49-F238E27FC236}">
+                <a16:creationId xmlns:a16="http://schemas.microsoft.com/office/drawing/2014/main" id="{1D39CA23-52BB-4A09-A579-A85D057724AD}"/>
+              </a:ext>
+            </a:extLst>
+          </p:cNvPr>
+          <p:cNvSpPr>
+            <a:spLocks noGrp="1"/>
+          </p:cNvSpPr>
+          <p:nvPr>
+            <p:ph type="title"/>
+          </p:nvPr>
+        </p:nvSpPr>
+        <p:spPr/>
+        <p:txBody>
+          <a:bodyPr/>
+          <a:lstStyle/>
+          <a:p>
+            <a:endParaRPr lang="en-US"/>
+          </a:p>
+        </p:txBody>
+      </p:sp>
+      <p:sp>
+        <p:nvSpPr>
+          <p:cNvPr id="3" name="Content Placeholder 2">
+            <a:extLst>
+              <a:ext uri="{FF2B5EF4-FFF2-40B4-BE49-F238E27FC236}">
+                <a16:creationId xmlns:a16="http://schemas.microsoft.com/office/drawing/2014/main" id="{3CBCF380-6EDC-4888-AFA9-2FB8272E6BFE}"/>
+              </a:ext>
+            </a:extLst>
+          </p:cNvPr>
+          <p:cNvSpPr>
+            <a:spLocks noGrp="1"/>
+          </p:cNvSpPr>
+          <p:nvPr>
+            <p:ph idx="1"/>
+          </p:nvPr>
+        </p:nvSpPr>
+        <p:spPr/>
+        <p:txBody>
+          <a:bodyPr/>
+          <a:lstStyle/>
+          <a:p>
+            <a:endParaRPr lang="en-US"/>
+          </a:p>
+        </p:txBody>
+      </p:sp>
+    </p:spTree>
+    <p:extLst>
+      <p:ext uri="{BB962C8B-B14F-4D97-AF65-F5344CB8AC3E}">
+        <p14:creationId xmlns:p14="http://schemas.microsoft.com/office/powerpoint/2010/main" val="3209847876"/>
+      </p:ext>
+    </p:extLst>
+  </p:cSld>
+  <p:clrMapOvr>
+    <a:masterClrMapping/>
+  </p:clrMapOvr>
+</p:sld>
+</file>
+
+<file path=ppt/slides/slide22.xml><?xml version="1.0" encoding="utf-8"?>
+<p:sld xmlns:a="http://schemas.openxmlformats.org/drawingml/2006/main" xmlns:r="http://schemas.openxmlformats.org/officeDocument/2006/relationships" xmlns:p="http://schemas.openxmlformats.org/presentationml/2006/main">
+  <p:cSld>
+    <p:spTree>
+      <p:nvGrpSpPr>
+        <p:cNvPr id="1" name=""/>
+        <p:cNvGrpSpPr/>
+        <p:nvPr/>
+      </p:nvGrpSpPr>
+      <p:grpSpPr>
+        <a:xfrm>
+          <a:off x="0" y="0"/>
+          <a:ext cx="0" cy="0"/>
+          <a:chOff x="0" y="0"/>
+          <a:chExt cx="0" cy="0"/>
+        </a:xfrm>
+      </p:grpSpPr>
+      <p:sp>
+        <p:nvSpPr>
+          <p:cNvPr id="2" name="Title 1">
+            <a:extLst>
+              <a:ext uri="{FF2B5EF4-FFF2-40B4-BE49-F238E27FC236}">
+                <a16:creationId xmlns:a16="http://schemas.microsoft.com/office/drawing/2014/main" id="{152ED58F-8EC8-470E-B9D5-6227A49D1F35}"/>
+              </a:ext>
+            </a:extLst>
+          </p:cNvPr>
+          <p:cNvSpPr>
+            <a:spLocks noGrp="1"/>
+          </p:cNvSpPr>
+          <p:nvPr>
+            <p:ph type="title"/>
+          </p:nvPr>
+        </p:nvSpPr>
+        <p:spPr>
+          <a:xfrm>
+            <a:off x="228360" y="122252"/>
+            <a:ext cx="10515600" cy="922137"/>
+          </a:xfrm>
+        </p:spPr>
+        <p:txBody>
+          <a:bodyPr/>
+          <a:lstStyle/>
+          <a:p>
+            <a:r>
+              <a:rPr lang="en-US"/>
+              <a:t>* Chỉnh  Màu da nhân vật.</a:t>
+            </a:r>
+          </a:p>
+        </p:txBody>
+      </p:sp>
+      <p:pic>
+        <p:nvPicPr>
+          <p:cNvPr id="4" name="Content Placeholder 3">
+            <a:extLst>
+              <a:ext uri="{FF2B5EF4-FFF2-40B4-BE49-F238E27FC236}">
+                <a16:creationId xmlns:a16="http://schemas.microsoft.com/office/drawing/2014/main" id="{BF75DB7C-E7C1-4835-B84B-4D6F43870125}"/>
+              </a:ext>
+            </a:extLst>
+          </p:cNvPr>
+          <p:cNvPicPr>
+            <a:picLocks noGrp="1" noChangeAspect="1"/>
+          </p:cNvPicPr>
+          <p:nvPr>
+            <p:ph idx="1"/>
+          </p:nvPr>
+        </p:nvPicPr>
+        <p:blipFill>
+          <a:blip r:embed="rId2"/>
+          <a:stretch>
+            <a:fillRect/>
+          </a:stretch>
+        </p:blipFill>
+        <p:spPr>
+          <a:xfrm>
+            <a:off x="166216" y="1594805"/>
+            <a:ext cx="3272420" cy="4351338"/>
+          </a:xfrm>
+          <a:prstGeom prst="rect">
+            <a:avLst/>
+          </a:prstGeom>
+        </p:spPr>
+      </p:pic>
+      <p:sp>
+        <p:nvSpPr>
+          <p:cNvPr id="5" name="Rectangle 4">
+            <a:extLst>
+              <a:ext uri="{FF2B5EF4-FFF2-40B4-BE49-F238E27FC236}">
+                <a16:creationId xmlns:a16="http://schemas.microsoft.com/office/drawing/2014/main" id="{E8854E7C-CA61-4E99-948C-973A5B60074E}"/>
+              </a:ext>
+            </a:extLst>
+          </p:cNvPr>
+          <p:cNvSpPr/>
+          <p:nvPr/>
+        </p:nvSpPr>
+        <p:spPr>
+          <a:xfrm>
+            <a:off x="684099" y="1601612"/>
+            <a:ext cx="452761" cy="242873"/>
+          </a:xfrm>
+          <a:prstGeom prst="rect">
+            <a:avLst/>
+          </a:prstGeom>
+          <a:noFill/>
+        </p:spPr>
+        <p:style>
+          <a:lnRef idx="2">
+            <a:schemeClr val="accent2">
+              <a:shade val="50000"/>
+            </a:schemeClr>
+          </a:lnRef>
+          <a:fillRef idx="1">
+            <a:schemeClr val="accent2"/>
+          </a:fillRef>
+          <a:effectRef idx="0">
+            <a:schemeClr val="accent2"/>
+          </a:effectRef>
+          <a:fontRef idx="minor">
+            <a:schemeClr val="lt1"/>
+          </a:fontRef>
+        </p:style>
+        <p:txBody>
+          <a:bodyPr rtlCol="0" anchor="ctr"/>
+          <a:lstStyle/>
+          <a:p>
+            <a:pPr algn="ctr"/>
+            <a:endParaRPr lang="en-US"/>
+          </a:p>
+        </p:txBody>
+      </p:sp>
+      <p:sp>
+        <p:nvSpPr>
+          <p:cNvPr id="6" name="Rectangle 5">
+            <a:extLst>
+              <a:ext uri="{FF2B5EF4-FFF2-40B4-BE49-F238E27FC236}">
+                <a16:creationId xmlns:a16="http://schemas.microsoft.com/office/drawing/2014/main" id="{AA5526FF-D4B5-46F7-B200-4AEC88D153DC}"/>
+              </a:ext>
+            </a:extLst>
+          </p:cNvPr>
+          <p:cNvSpPr/>
+          <p:nvPr/>
+        </p:nvSpPr>
+        <p:spPr>
+          <a:xfrm>
+            <a:off x="732667" y="2392848"/>
+            <a:ext cx="2263806" cy="390617"/>
+          </a:xfrm>
+          <a:prstGeom prst="rect">
+            <a:avLst/>
+          </a:prstGeom>
+          <a:noFill/>
+        </p:spPr>
+        <p:style>
+          <a:lnRef idx="2">
+            <a:schemeClr val="accent2">
+              <a:shade val="50000"/>
+            </a:schemeClr>
+          </a:lnRef>
+          <a:fillRef idx="1">
+            <a:schemeClr val="accent2"/>
+          </a:fillRef>
+          <a:effectRef idx="0">
+            <a:schemeClr val="accent2"/>
+          </a:effectRef>
+          <a:fontRef idx="minor">
+            <a:schemeClr val="lt1"/>
+          </a:fontRef>
+        </p:style>
+        <p:txBody>
+          <a:bodyPr rtlCol="0" anchor="ctr"/>
+          <a:lstStyle/>
+          <a:p>
+            <a:pPr algn="ctr"/>
+            <a:endParaRPr lang="en-US"/>
+          </a:p>
+        </p:txBody>
+      </p:sp>
+    </p:spTree>
+    <p:extLst>
+      <p:ext uri="{BB962C8B-B14F-4D97-AF65-F5344CB8AC3E}">
+        <p14:creationId xmlns:p14="http://schemas.microsoft.com/office/powerpoint/2010/main" val="1141125898"/>
       </p:ext>
     </p:extLst>
   </p:cSld>
